--- a/docs/Library_System_ppt.pptx
+++ b/docs/Library_System_ppt.pptx
@@ -12,14 +12,16 @@
     <p:sldId id="260" r:id="rId6"/>
     <p:sldId id="261" r:id="rId7"/>
     <p:sldId id="262" r:id="rId8"/>
-    <p:sldId id="263" r:id="rId9"/>
-    <p:sldId id="264" r:id="rId10"/>
-    <p:sldId id="265" r:id="rId11"/>
-    <p:sldId id="266" r:id="rId12"/>
-    <p:sldId id="267" r:id="rId13"/>
-    <p:sldId id="268" r:id="rId14"/>
-    <p:sldId id="270" r:id="rId15"/>
-    <p:sldId id="269" r:id="rId16"/>
+    <p:sldId id="271" r:id="rId9"/>
+    <p:sldId id="263" r:id="rId10"/>
+    <p:sldId id="264" r:id="rId11"/>
+    <p:sldId id="265" r:id="rId12"/>
+    <p:sldId id="266" r:id="rId13"/>
+    <p:sldId id="267" r:id="rId14"/>
+    <p:sldId id="272" r:id="rId15"/>
+    <p:sldId id="268" r:id="rId16"/>
+    <p:sldId id="270" r:id="rId17"/>
+    <p:sldId id="269" r:id="rId18"/>
   </p:sldIdLst>
   <p:sldSz cx="12192000" cy="6858000"/>
   <p:notesSz cx="6858000" cy="9144000"/>
@@ -134,11 +136,13 @@
             <p14:sldId id="260"/>
             <p14:sldId id="261"/>
             <p14:sldId id="262"/>
+            <p14:sldId id="271"/>
             <p14:sldId id="263"/>
             <p14:sldId id="264"/>
             <p14:sldId id="265"/>
             <p14:sldId id="266"/>
             <p14:sldId id="267"/>
+            <p14:sldId id="272"/>
             <p14:sldId id="268"/>
             <p14:sldId id="270"/>
             <p14:sldId id="269"/>
@@ -380,7 +384,7 @@
             <a:fld id="{B61BEF0D-F0BB-DE4B-95CE-6DB70DBA9567}" type="datetimeFigureOut">
               <a:rPr lang="en-US" smtClean="0"/>
               <a:pPr/>
-              <a:t>3/3/2016</a:t>
+              <a:t>3/4/2016</a:t>
             </a:fld>
             <a:endParaRPr lang="en-US" dirty="0"/>
           </a:p>
@@ -590,7 +594,7 @@
             <a:fld id="{B61BEF0D-F0BB-DE4B-95CE-6DB70DBA9567}" type="datetimeFigureOut">
               <a:rPr lang="en-US" smtClean="0"/>
               <a:pPr/>
-              <a:t>3/3/2016</a:t>
+              <a:t>3/4/2016</a:t>
             </a:fld>
             <a:endParaRPr lang="en-US" dirty="0"/>
           </a:p>
@@ -848,7 +852,7 @@
             <a:fld id="{B61BEF0D-F0BB-DE4B-95CE-6DB70DBA9567}" type="datetimeFigureOut">
               <a:rPr lang="en-US" smtClean="0"/>
               <a:pPr/>
-              <a:t>3/3/2016</a:t>
+              <a:t>3/4/2016</a:t>
             </a:fld>
             <a:endParaRPr lang="en-US" dirty="0"/>
           </a:p>
@@ -1024,7 +1028,7 @@
             <a:fld id="{B61BEF0D-F0BB-DE4B-95CE-6DB70DBA9567}" type="datetimeFigureOut">
               <a:rPr lang="en-US" smtClean="0"/>
               <a:pPr/>
-              <a:t>3/3/2016</a:t>
+              <a:t>3/4/2016</a:t>
             </a:fld>
             <a:endParaRPr lang="en-US" dirty="0"/>
           </a:p>
@@ -1369,7 +1373,7 @@
             <a:fld id="{B61BEF0D-F0BB-DE4B-95CE-6DB70DBA9567}" type="datetimeFigureOut">
               <a:rPr lang="en-US" smtClean="0"/>
               <a:pPr/>
-              <a:t>3/3/2016</a:t>
+              <a:t>3/4/2016</a:t>
             </a:fld>
             <a:endParaRPr lang="en-US" dirty="0"/>
           </a:p>
@@ -1646,7 +1650,7 @@
             <a:fld id="{B61BEF0D-F0BB-DE4B-95CE-6DB70DBA9567}" type="datetimeFigureOut">
               <a:rPr lang="en-US" smtClean="0"/>
               <a:pPr/>
-              <a:t>3/3/2016</a:t>
+              <a:t>3/4/2016</a:t>
             </a:fld>
             <a:endParaRPr lang="en-US" dirty="0"/>
           </a:p>
@@ -2027,7 +2031,7 @@
             <a:fld id="{B61BEF0D-F0BB-DE4B-95CE-6DB70DBA9567}" type="datetimeFigureOut">
               <a:rPr lang="en-US" smtClean="0"/>
               <a:pPr/>
-              <a:t>3/3/2016</a:t>
+              <a:t>3/4/2016</a:t>
             </a:fld>
             <a:endParaRPr lang="en-US" dirty="0"/>
           </a:p>
@@ -2147,7 +2151,7 @@
             <a:fld id="{B61BEF0D-F0BB-DE4B-95CE-6DB70DBA9567}" type="datetimeFigureOut">
               <a:rPr lang="en-US" smtClean="0"/>
               <a:pPr/>
-              <a:t>3/3/2016</a:t>
+              <a:t>3/4/2016</a:t>
             </a:fld>
             <a:endParaRPr lang="en-US" dirty="0"/>
           </a:p>
@@ -2320,7 +2324,7 @@
             <a:fld id="{B61BEF0D-F0BB-DE4B-95CE-6DB70DBA9567}" type="datetimeFigureOut">
               <a:rPr lang="en-US" smtClean="0"/>
               <a:pPr/>
-              <a:t>3/3/2016</a:t>
+              <a:t>3/4/2016</a:t>
             </a:fld>
             <a:endParaRPr lang="en-US" dirty="0"/>
           </a:p>
@@ -2676,7 +2680,7 @@
             <a:fld id="{B61BEF0D-F0BB-DE4B-95CE-6DB70DBA9567}" type="datetimeFigureOut">
               <a:rPr lang="en-US" smtClean="0"/>
               <a:pPr/>
-              <a:t>3/3/2016</a:t>
+              <a:t>3/4/2016</a:t>
             </a:fld>
             <a:endParaRPr lang="en-US" dirty="0"/>
           </a:p>
@@ -3060,7 +3064,7 @@
             <a:fld id="{B61BEF0D-F0BB-DE4B-95CE-6DB70DBA9567}" type="datetimeFigureOut">
               <a:rPr lang="en-US" smtClean="0"/>
               <a:pPr/>
-              <a:t>3/3/2016</a:t>
+              <a:t>3/4/2016</a:t>
             </a:fld>
             <a:endParaRPr lang="en-US" dirty="0"/>
           </a:p>
@@ -3349,7 +3353,7 @@
             <a:fld id="{B61BEF0D-F0BB-DE4B-95CE-6DB70DBA9567}" type="datetimeFigureOut">
               <a:rPr lang="en-US" smtClean="0"/>
               <a:pPr/>
-              <a:t>3/3/2016</a:t>
+              <a:t>3/4/2016</a:t>
             </a:fld>
             <a:endParaRPr lang="en-US" dirty="0"/>
           </a:p>
@@ -4452,6 +4456,110 @@
           <a:p>
             <a:r>
               <a:rPr lang="en-US" dirty="0" smtClean="0"/>
+              <a:t>Use Case 4 – </a:t>
+            </a:r>
+            <a:r>
+              <a:rPr lang="en-US" b="1" dirty="0" smtClean="0">
+                <a:solidFill>
+                  <a:srgbClr val="0070C0"/>
+                </a:solidFill>
+              </a:rPr>
+              <a:t>Adding a Copy of Existing Book</a:t>
+            </a:r>
+            <a:endParaRPr lang="en-US" b="1" dirty="0">
+              <a:solidFill>
+                <a:srgbClr val="0070C0"/>
+              </a:solidFill>
+            </a:endParaRPr>
+          </a:p>
+        </p:txBody>
+      </p:sp>
+      <p:pic>
+        <p:nvPicPr>
+          <p:cNvPr id="4" name="Content Placeholder 3"/>
+          <p:cNvPicPr>
+            <a:picLocks noGrp="1" noChangeAspect="1"/>
+          </p:cNvPicPr>
+          <p:nvPr>
+            <p:ph idx="1"/>
+          </p:nvPr>
+        </p:nvPicPr>
+        <p:blipFill>
+          <a:blip r:embed="rId2">
+            <a:extLst>
+              <a:ext uri="{28A0092B-C50C-407E-A947-70E740481C1C}">
+                <a14:useLocalDpi xmlns:a14="http://schemas.microsoft.com/office/drawing/2010/main" val="0"/>
+              </a:ext>
+            </a:extLst>
+          </a:blip>
+          <a:stretch>
+            <a:fillRect/>
+          </a:stretch>
+        </p:blipFill>
+        <p:spPr>
+          <a:xfrm>
+            <a:off x="1097280" y="2055068"/>
+            <a:ext cx="10041510" cy="3672872"/>
+          </a:xfrm>
+        </p:spPr>
+      </p:pic>
+    </p:spTree>
+    <p:extLst>
+      <p:ext uri="{BB962C8B-B14F-4D97-AF65-F5344CB8AC3E}">
+        <p14:creationId xmlns:p14="http://schemas.microsoft.com/office/powerpoint/2010/main" val="1097942233"/>
+      </p:ext>
+    </p:extLst>
+  </p:cSld>
+  <p:clrMapOvr>
+    <a:masterClrMapping/>
+  </p:clrMapOvr>
+  <p:transition spd="slow">
+    <p:push dir="u"/>
+  </p:transition>
+  <p:timing>
+    <p:tnLst>
+      <p:par>
+        <p:cTn id="1" dur="indefinite" restart="never" nodeType="tmRoot"/>
+      </p:par>
+    </p:tnLst>
+  </p:timing>
+</p:sld>
+</file>
+
+<file path=ppt/slides/slide11.xml><?xml version="1.0" encoding="utf-8"?>
+<p:sld xmlns:a="http://schemas.openxmlformats.org/drawingml/2006/main" xmlns:r="http://schemas.openxmlformats.org/officeDocument/2006/relationships" xmlns:p="http://schemas.openxmlformats.org/presentationml/2006/main">
+  <p:cSld>
+    <p:spTree>
+      <p:nvGrpSpPr>
+        <p:cNvPr id="1" name=""/>
+        <p:cNvGrpSpPr/>
+        <p:nvPr/>
+      </p:nvGrpSpPr>
+      <p:grpSpPr>
+        <a:xfrm>
+          <a:off x="0" y="0"/>
+          <a:ext cx="0" cy="0"/>
+          <a:chOff x="0" y="0"/>
+          <a:chExt cx="0" cy="0"/>
+        </a:xfrm>
+      </p:grpSpPr>
+      <p:sp>
+        <p:nvSpPr>
+          <p:cNvPr id="2" name="Title 1"/>
+          <p:cNvSpPr>
+            <a:spLocks noGrp="1"/>
+          </p:cNvSpPr>
+          <p:nvPr>
+            <p:ph type="title"/>
+          </p:nvPr>
+        </p:nvSpPr>
+        <p:spPr/>
+        <p:txBody>
+          <a:bodyPr/>
+          <a:lstStyle/>
+          <a:p>
+            <a:r>
+              <a:rPr lang="en-US" dirty="0" smtClean="0"/>
               <a:t>Use Case 5 – </a:t>
             </a:r>
             <a:r>
@@ -4522,7 +4630,7 @@
 </p:sld>
 </file>
 
-<file path=ppt/slides/slide11.xml><?xml version="1.0" encoding="utf-8"?>
+<file path=ppt/slides/slide12.xml><?xml version="1.0" encoding="utf-8"?>
 <p:sld xmlns:a="http://schemas.openxmlformats.org/drawingml/2006/main" xmlns:r="http://schemas.openxmlformats.org/officeDocument/2006/relationships" xmlns:p="http://schemas.openxmlformats.org/presentationml/2006/main">
   <p:cSld>
     <p:spTree>
@@ -4626,7 +4734,7 @@
 </p:sld>
 </file>
 
-<file path=ppt/slides/slide12.xml><?xml version="1.0" encoding="utf-8"?>
+<file path=ppt/slides/slide13.xml><?xml version="1.0" encoding="utf-8"?>
 <p:sld xmlns:a="http://schemas.openxmlformats.org/drawingml/2006/main" xmlns:r="http://schemas.openxmlformats.org/officeDocument/2006/relationships" xmlns:p="http://schemas.openxmlformats.org/presentationml/2006/main">
   <p:cSld>
     <p:spTree>
@@ -4730,7 +4838,127 @@
 </p:sld>
 </file>
 
-<file path=ppt/slides/slide13.xml><?xml version="1.0" encoding="utf-8"?>
+<file path=ppt/slides/slide14.xml><?xml version="1.0" encoding="utf-8"?>
+<p:sld xmlns:a="http://schemas.openxmlformats.org/drawingml/2006/main" xmlns:r="http://schemas.openxmlformats.org/officeDocument/2006/relationships" xmlns:p="http://schemas.openxmlformats.org/presentationml/2006/main">
+  <p:cSld>
+    <p:spTree>
+      <p:nvGrpSpPr>
+        <p:cNvPr id="1" name=""/>
+        <p:cNvGrpSpPr/>
+        <p:nvPr/>
+      </p:nvGrpSpPr>
+      <p:grpSpPr>
+        <a:xfrm>
+          <a:off x="0" y="0"/>
+          <a:ext cx="0" cy="0"/>
+          <a:chOff x="0" y="0"/>
+          <a:chExt cx="0" cy="0"/>
+        </a:xfrm>
+      </p:grpSpPr>
+      <p:sp>
+        <p:nvSpPr>
+          <p:cNvPr id="2" name="Title 1"/>
+          <p:cNvSpPr>
+            <a:spLocks noGrp="1"/>
+          </p:cNvSpPr>
+          <p:nvPr>
+            <p:ph type="title"/>
+          </p:nvPr>
+        </p:nvSpPr>
+        <p:spPr/>
+        <p:txBody>
+          <a:bodyPr/>
+          <a:lstStyle/>
+          <a:p>
+            <a:r>
+              <a:rPr lang="en-US" dirty="0"/>
+              <a:t>Use Case </a:t>
+            </a:r>
+            <a:r>
+              <a:rPr lang="en-US" dirty="0" smtClean="0"/>
+              <a:t>8 </a:t>
+            </a:r>
+            <a:r>
+              <a:rPr lang="en-US" dirty="0"/>
+              <a:t>– </a:t>
+            </a:r>
+            <a:r>
+              <a:rPr lang="en-US" b="1" dirty="0" smtClean="0">
+                <a:solidFill>
+                  <a:srgbClr val="0070C0"/>
+                </a:solidFill>
+              </a:rPr>
+              <a:t>Library</a:t>
+            </a:r>
+            <a:r>
+              <a:rPr lang="en-US" dirty="0" smtClean="0"/>
+              <a:t> </a:t>
+            </a:r>
+            <a:r>
+              <a:rPr lang="en-US" b="1" dirty="0" smtClean="0">
+                <a:solidFill>
+                  <a:srgbClr val="0070C0"/>
+                </a:solidFill>
+              </a:rPr>
+              <a:t>Fine for Late Return</a:t>
+            </a:r>
+            <a:endParaRPr lang="en-US" dirty="0"/>
+          </a:p>
+        </p:txBody>
+      </p:sp>
+      <p:pic>
+        <p:nvPicPr>
+          <p:cNvPr id="6" name="Content Placeholder 5"/>
+          <p:cNvPicPr>
+            <a:picLocks noGrp="1" noChangeAspect="1"/>
+          </p:cNvPicPr>
+          <p:nvPr>
+            <p:ph idx="1"/>
+          </p:nvPr>
+        </p:nvPicPr>
+        <p:blipFill>
+          <a:blip r:embed="rId2">
+            <a:extLst>
+              <a:ext uri="{28A0092B-C50C-407E-A947-70E740481C1C}">
+                <a14:useLocalDpi xmlns:a14="http://schemas.microsoft.com/office/drawing/2010/main" val="0"/>
+              </a:ext>
+            </a:extLst>
+          </a:blip>
+          <a:stretch>
+            <a:fillRect/>
+          </a:stretch>
+        </p:blipFill>
+        <p:spPr>
+          <a:xfrm>
+            <a:off x="1413244" y="1737360"/>
+            <a:ext cx="9171367" cy="4575780"/>
+          </a:xfrm>
+        </p:spPr>
+      </p:pic>
+    </p:spTree>
+    <p:extLst>
+      <p:ext uri="{BB962C8B-B14F-4D97-AF65-F5344CB8AC3E}">
+        <p14:creationId xmlns:p14="http://schemas.microsoft.com/office/powerpoint/2010/main" val="1962938956"/>
+      </p:ext>
+    </p:extLst>
+  </p:cSld>
+  <p:clrMapOvr>
+    <a:masterClrMapping/>
+  </p:clrMapOvr>
+  <p:transition spd="slow">
+    <p:push dir="u"/>
+  </p:transition>
+  <p:timing>
+    <p:tnLst>
+      <p:par>
+        <p:cTn id="1" dur="indefinite" restart="never" nodeType="tmRoot"/>
+      </p:par>
+    </p:tnLst>
+  </p:timing>
+</p:sld>
+</file>
+
+<file path=ppt/slides/slide15.xml><?xml version="1.0" encoding="utf-8"?>
 <p:sld xmlns:a="http://schemas.openxmlformats.org/drawingml/2006/main" xmlns:r="http://schemas.openxmlformats.org/officeDocument/2006/relationships" xmlns:p="http://schemas.openxmlformats.org/presentationml/2006/main">
   <p:cSld>
     <p:spTree>
@@ -4874,7 +5102,7 @@
 </p:sld>
 </file>
 
-<file path=ppt/slides/slide14.xml><?xml version="1.0" encoding="utf-8"?>
+<file path=ppt/slides/slide16.xml><?xml version="1.0" encoding="utf-8"?>
 <p:sld xmlns:a="http://schemas.openxmlformats.org/drawingml/2006/main" xmlns:r="http://schemas.openxmlformats.org/officeDocument/2006/relationships" xmlns:p="http://schemas.openxmlformats.org/presentationml/2006/main">
   <p:cSld>
     <p:spTree>
@@ -4990,7 +5218,7 @@
 </p:sld>
 </file>
 
-<file path=ppt/slides/slide15.xml><?xml version="1.0" encoding="utf-8"?>
+<file path=ppt/slides/slide17.xml><?xml version="1.0" encoding="utf-8"?>
 <p:sld xmlns:a="http://schemas.openxmlformats.org/drawingml/2006/main" xmlns:r="http://schemas.openxmlformats.org/officeDocument/2006/relationships" xmlns:p="http://schemas.openxmlformats.org/presentationml/2006/main">
   <p:cSld>
     <p:spTree>
@@ -5114,21 +5342,6 @@
               </a:rPr>
               <a:t>Questions &amp; Answers Session</a:t>
             </a:r>
-            <a:endParaRPr lang="en-US" sz="3600" b="1" dirty="0">
-              <a:solidFill>
-                <a:prstClr val="black">
-                  <a:lumMod val="75000"/>
-                  <a:lumOff val="25000"/>
-                </a:prstClr>
-              </a:solidFill>
-              <a:effectLst>
-                <a:outerShdw blurRad="38100" dist="38100" dir="2700000" algn="tl">
-                  <a:srgbClr val="000000">
-                    <a:alpha val="43137"/>
-                  </a:srgbClr>
-                </a:outerShdw>
-              </a:effectLst>
-            </a:endParaRPr>
           </a:p>
         </p:txBody>
       </p:sp>
@@ -5290,11 +5503,7 @@
             </a:pPr>
             <a:r>
               <a:rPr lang="en-US" sz="2400" dirty="0" smtClean="0"/>
-              <a:t>Class Diagram depicting th</a:t>
-            </a:r>
-            <a:r>
-              <a:rPr lang="en-US" sz="2400" dirty="0" smtClean="0"/>
-              <a:t>e Problem Description</a:t>
+              <a:t>Class Diagram depicting the Problem Description</a:t>
             </a:r>
           </a:p>
           <a:p>
@@ -6231,8 +6440,16 @@
           <a:lstStyle/>
           <a:p>
             <a:r>
+              <a:rPr lang="en-US" dirty="0"/>
+              <a:t>Use Case </a:t>
+            </a:r>
+            <a:r>
               <a:rPr lang="en-US" dirty="0" smtClean="0"/>
-              <a:t>Use Case 3 – </a:t>
+              <a:t>2.1 </a:t>
+            </a:r>
+            <a:r>
+              <a:rPr lang="en-US" dirty="0"/>
+              <a:t>– </a:t>
             </a:r>
             <a:r>
               <a:rPr lang="en-US" b="1" dirty="0" smtClean="0">
@@ -6240,19 +6457,23 @@
                   <a:srgbClr val="0070C0"/>
                 </a:solidFill>
               </a:rPr>
-              <a:t>Checking out a Book</a:t>
-            </a:r>
-            <a:endParaRPr lang="en-US" b="1" dirty="0">
-              <a:solidFill>
-                <a:srgbClr val="0070C0"/>
-              </a:solidFill>
-            </a:endParaRPr>
+              <a:t>Editing Library </a:t>
+            </a:r>
+            <a:r>
+              <a:rPr lang="en-US" b="1" dirty="0">
+                <a:solidFill>
+                  <a:srgbClr val="0070C0"/>
+                </a:solidFill>
+              </a:rPr>
+              <a:t>Member</a:t>
+            </a:r>
+            <a:endParaRPr lang="en-US" dirty="0"/>
           </a:p>
         </p:txBody>
       </p:sp>
       <p:pic>
         <p:nvPicPr>
-          <p:cNvPr id="8" name="Content Placeholder 7"/>
+          <p:cNvPr id="4" name="Content Placeholder 3"/>
           <p:cNvPicPr>
             <a:picLocks noGrp="1" noChangeAspect="1"/>
           </p:cNvPicPr>
@@ -6274,15 +6495,15 @@
         </p:blipFill>
         <p:spPr>
           <a:xfrm>
-            <a:off x="3170320" y="1794507"/>
-            <a:ext cx="6049383" cy="4511405"/>
+            <a:off x="1097280" y="2015346"/>
+            <a:ext cx="10500617" cy="3798858"/>
           </a:xfrm>
         </p:spPr>
       </p:pic>
     </p:spTree>
     <p:extLst>
       <p:ext uri="{BB962C8B-B14F-4D97-AF65-F5344CB8AC3E}">
-        <p14:creationId xmlns:p14="http://schemas.microsoft.com/office/powerpoint/2010/main" val="4125895079"/>
+        <p14:creationId xmlns:p14="http://schemas.microsoft.com/office/powerpoint/2010/main" val="3184353597"/>
       </p:ext>
     </p:extLst>
   </p:cSld>
@@ -6336,7 +6557,7 @@
           <a:p>
             <a:r>
               <a:rPr lang="en-US" dirty="0" smtClean="0"/>
-              <a:t>Use Case 4 – </a:t>
+              <a:t>Use Case 3 – </a:t>
             </a:r>
             <a:r>
               <a:rPr lang="en-US" b="1" dirty="0" smtClean="0">
@@ -6344,7 +6565,7 @@
                   <a:srgbClr val="0070C0"/>
                 </a:solidFill>
               </a:rPr>
-              <a:t>Adding a Copy of Existing Book</a:t>
+              <a:t>Checking out a Book</a:t>
             </a:r>
             <a:endParaRPr lang="en-US" b="1" dirty="0">
               <a:solidFill>
@@ -6356,7 +6577,7 @@
       </p:sp>
       <p:pic>
         <p:nvPicPr>
-          <p:cNvPr id="4" name="Content Placeholder 3"/>
+          <p:cNvPr id="8" name="Content Placeholder 7"/>
           <p:cNvPicPr>
             <a:picLocks noGrp="1" noChangeAspect="1"/>
           </p:cNvPicPr>
@@ -6378,15 +6599,15 @@
         </p:blipFill>
         <p:spPr>
           <a:xfrm>
-            <a:off x="1097280" y="2055068"/>
-            <a:ext cx="10041510" cy="3672872"/>
+            <a:off x="3170320" y="1794507"/>
+            <a:ext cx="6049383" cy="4511405"/>
           </a:xfrm>
         </p:spPr>
       </p:pic>
     </p:spTree>
     <p:extLst>
       <p:ext uri="{BB962C8B-B14F-4D97-AF65-F5344CB8AC3E}">
-        <p14:creationId xmlns:p14="http://schemas.microsoft.com/office/powerpoint/2010/main" val="1097942233"/>
+        <p14:creationId xmlns:p14="http://schemas.microsoft.com/office/powerpoint/2010/main" val="4125895079"/>
       </p:ext>
     </p:extLst>
   </p:cSld>
